--- a/Template.pptx
+++ b/Template.pptx
@@ -266,7 +266,7 @@
           <a:p>
             <a:fld id="{1E257FCD-A35D-4333-91E0-6F5D2CEE6E9D}" type="datetimeFigureOut">
               <a:rPr lang="ru-RU" smtClean="0"/>
-              <a:t>27.09.2021</a:t>
+              <a:t>11.10.2021</a:t>
             </a:fld>
             <a:endParaRPr lang="ru-RU"/>
           </a:p>
@@ -436,7 +436,7 @@
           <a:p>
             <a:fld id="{1E257FCD-A35D-4333-91E0-6F5D2CEE6E9D}" type="datetimeFigureOut">
               <a:rPr lang="ru-RU" smtClean="0"/>
-              <a:t>27.09.2021</a:t>
+              <a:t>11.10.2021</a:t>
             </a:fld>
             <a:endParaRPr lang="ru-RU"/>
           </a:p>
@@ -616,7 +616,7 @@
           <a:p>
             <a:fld id="{1E257FCD-A35D-4333-91E0-6F5D2CEE6E9D}" type="datetimeFigureOut">
               <a:rPr lang="ru-RU" smtClean="0"/>
-              <a:t>27.09.2021</a:t>
+              <a:t>11.10.2021</a:t>
             </a:fld>
             <a:endParaRPr lang="ru-RU"/>
           </a:p>
@@ -786,7 +786,7 @@
           <a:p>
             <a:fld id="{1E257FCD-A35D-4333-91E0-6F5D2CEE6E9D}" type="datetimeFigureOut">
               <a:rPr lang="ru-RU" smtClean="0"/>
-              <a:t>27.09.2021</a:t>
+              <a:t>11.10.2021</a:t>
             </a:fld>
             <a:endParaRPr lang="ru-RU"/>
           </a:p>
@@ -1030,7 +1030,7 @@
           <a:p>
             <a:fld id="{1E257FCD-A35D-4333-91E0-6F5D2CEE6E9D}" type="datetimeFigureOut">
               <a:rPr lang="ru-RU" smtClean="0"/>
-              <a:t>27.09.2021</a:t>
+              <a:t>11.10.2021</a:t>
             </a:fld>
             <a:endParaRPr lang="ru-RU"/>
           </a:p>
@@ -1262,7 +1262,7 @@
           <a:p>
             <a:fld id="{1E257FCD-A35D-4333-91E0-6F5D2CEE6E9D}" type="datetimeFigureOut">
               <a:rPr lang="ru-RU" smtClean="0"/>
-              <a:t>27.09.2021</a:t>
+              <a:t>11.10.2021</a:t>
             </a:fld>
             <a:endParaRPr lang="ru-RU"/>
           </a:p>
@@ -1629,7 +1629,7 @@
           <a:p>
             <a:fld id="{1E257FCD-A35D-4333-91E0-6F5D2CEE6E9D}" type="datetimeFigureOut">
               <a:rPr lang="ru-RU" smtClean="0"/>
-              <a:t>27.09.2021</a:t>
+              <a:t>11.10.2021</a:t>
             </a:fld>
             <a:endParaRPr lang="ru-RU"/>
           </a:p>
@@ -1747,7 +1747,7 @@
           <a:p>
             <a:fld id="{1E257FCD-A35D-4333-91E0-6F5D2CEE6E9D}" type="datetimeFigureOut">
               <a:rPr lang="ru-RU" smtClean="0"/>
-              <a:t>27.09.2021</a:t>
+              <a:t>11.10.2021</a:t>
             </a:fld>
             <a:endParaRPr lang="ru-RU"/>
           </a:p>
@@ -1842,7 +1842,7 @@
           <a:p>
             <a:fld id="{1E257FCD-A35D-4333-91E0-6F5D2CEE6E9D}" type="datetimeFigureOut">
               <a:rPr lang="ru-RU" smtClean="0"/>
-              <a:t>27.09.2021</a:t>
+              <a:t>11.10.2021</a:t>
             </a:fld>
             <a:endParaRPr lang="ru-RU"/>
           </a:p>
@@ -2119,7 +2119,7 @@
           <a:p>
             <a:fld id="{1E257FCD-A35D-4333-91E0-6F5D2CEE6E9D}" type="datetimeFigureOut">
               <a:rPr lang="ru-RU" smtClean="0"/>
-              <a:t>27.09.2021</a:t>
+              <a:t>11.10.2021</a:t>
             </a:fld>
             <a:endParaRPr lang="ru-RU"/>
           </a:p>
@@ -2376,7 +2376,7 @@
           <a:p>
             <a:fld id="{1E257FCD-A35D-4333-91E0-6F5D2CEE6E9D}" type="datetimeFigureOut">
               <a:rPr lang="ru-RU" smtClean="0"/>
-              <a:t>27.09.2021</a:t>
+              <a:t>11.10.2021</a:t>
             </a:fld>
             <a:endParaRPr lang="ru-RU"/>
           </a:p>
@@ -2589,7 +2589,7 @@
           <a:p>
             <a:fld id="{1E257FCD-A35D-4333-91E0-6F5D2CEE6E9D}" type="datetimeFigureOut">
               <a:rPr lang="ru-RU" smtClean="0"/>
-              <a:t>27.09.2021</a:t>
+              <a:t>11.10.2021</a:t>
             </a:fld>
             <a:endParaRPr lang="ru-RU"/>
           </a:p>
@@ -3283,6 +3283,47 @@
           </a:p>
         </p:txBody>
       </p:sp>
+      <p:sp>
+        <p:nvSpPr>
+          <p:cNvPr id="11" name="TextBox 10">
+            <a:extLst>
+              <a:ext uri="{FF2B5EF4-FFF2-40B4-BE49-F238E27FC236}">
+                <a16:creationId xmlns:a16="http://schemas.microsoft.com/office/drawing/2014/main" id="{F48AB936-CB24-452C-9622-F8841C4A41B0}"/>
+              </a:ext>
+            </a:extLst>
+          </p:cNvPr>
+          <p:cNvSpPr txBox="1"/>
+          <p:nvPr/>
+        </p:nvSpPr>
+        <p:spPr>
+          <a:xfrm>
+            <a:off x="4629059" y="5630830"/>
+            <a:ext cx="7663543" cy="646331"/>
+          </a:xfrm>
+          <a:prstGeom prst="rect">
+            <a:avLst/>
+          </a:prstGeom>
+          <a:noFill/>
+        </p:spPr>
+        <p:txBody>
+          <a:bodyPr wrap="square" lIns="0" rIns="0" rtlCol="0">
+            <a:noAutofit/>
+          </a:bodyPr>
+          <a:lstStyle/>
+          <a:p>
+            <a:pPr algn="ctr"/>
+            <a:r>
+              <a:rPr lang="en-US" sz="1600" spc="-10" dirty="0">
+                <a:solidFill>
+                  <a:srgbClr val="EC9761"/>
+                </a:solidFill>
+                <a:latin typeface="Sofia Med" panose="01000000000000000000" pitchFamily="2" charset="0"/>
+              </a:rPr>
+              <a:t>Date</a:t>
+            </a:r>
+          </a:p>
+        </p:txBody>
+      </p:sp>
     </p:spTree>
     <p:extLst>
       <p:ext uri="{BB962C8B-B14F-4D97-AF65-F5344CB8AC3E}">

--- a/Template.pptx
+++ b/Template.pptx
@@ -104,6 +104,11 @@
       </a:defRPr>
     </a:lvl9pPr>
   </p:defaultTextStyle>
+  <p:extLst>
+    <p:ext uri="{EFAFB233-063F-42B5-8137-9DF3F51BA10A}">
+      <p15:sldGuideLst xmlns:p15="http://schemas.microsoft.com/office/powerpoint/2012/main"/>
+    </p:ext>
+  </p:extLst>
 </p:presentation>
 </file>
 
@@ -3661,8 +3666,8 @@
         </p:nvSpPr>
         <p:spPr>
           <a:xfrm>
-            <a:off x="10540754" y="6519833"/>
-            <a:ext cx="1651246" cy="338167"/>
+            <a:off x="8895425" y="6519833"/>
+            <a:ext cx="3296575" cy="338167"/>
           </a:xfrm>
           <a:prstGeom prst="rect">
             <a:avLst/>
